--- a/presentation/fake_news.pptx
+++ b/presentation/fake_news.pptx
@@ -12,6 +12,7 @@
     <p:sldId id="259" r:id="rId6"/>
     <p:sldId id="261" r:id="rId7"/>
     <p:sldId id="262" r:id="rId8"/>
+    <p:sldId id="263" r:id="rId9"/>
   </p:sldIdLst>
   <p:sldSz cx="12192000" cy="6858000"/>
   <p:notesSz cx="6858000" cy="9144000"/>
@@ -6465,6 +6466,867 @@
 </p:sld>
 </file>
 
+<file path=ppt/slides/slide8.xml><?xml version="1.0" encoding="utf-8"?>
+<p:sld xmlns:a="http://schemas.openxmlformats.org/drawingml/2006/main" xmlns:r="http://schemas.openxmlformats.org/officeDocument/2006/relationships" xmlns:p="http://schemas.openxmlformats.org/presentationml/2006/main">
+  <p:cSld>
+    <p:spTree>
+      <p:nvGrpSpPr>
+        <p:cNvPr id="1" name=""/>
+        <p:cNvGrpSpPr/>
+        <p:nvPr/>
+      </p:nvGrpSpPr>
+      <p:grpSpPr>
+        <a:xfrm>
+          <a:off x="0" y="0"/>
+          <a:ext cx="0" cy="0"/>
+          <a:chOff x="0" y="0"/>
+          <a:chExt cx="0" cy="0"/>
+        </a:xfrm>
+      </p:grpSpPr>
+      <p:sp>
+        <p:nvSpPr>
+          <p:cNvPr id="2" name="Rectangle 1">
+            <a:extLst>
+              <a:ext uri="{FF2B5EF4-FFF2-40B4-BE49-F238E27FC236}">
+                <a16:creationId xmlns:a16="http://schemas.microsoft.com/office/drawing/2014/main" id="{E2C3A96A-7A97-4DD1-9568-0944AC94FEC0}"/>
+              </a:ext>
+            </a:extLst>
+          </p:cNvPr>
+          <p:cNvSpPr/>
+          <p:nvPr/>
+        </p:nvSpPr>
+        <p:spPr>
+          <a:xfrm>
+            <a:off x="2844800" y="464458"/>
+            <a:ext cx="5326743" cy="725714"/>
+          </a:xfrm>
+          <a:prstGeom prst="rect">
+            <a:avLst/>
+          </a:prstGeom>
+          <a:noFill/>
+          <a:ln>
+            <a:noFill/>
+          </a:ln>
+        </p:spPr>
+        <p:style>
+          <a:lnRef idx="2">
+            <a:schemeClr val="accent1">
+              <a:shade val="50000"/>
+            </a:schemeClr>
+          </a:lnRef>
+          <a:fillRef idx="1">
+            <a:schemeClr val="accent1"/>
+          </a:fillRef>
+          <a:effectRef idx="0">
+            <a:schemeClr val="accent1"/>
+          </a:effectRef>
+          <a:fontRef idx="minor">
+            <a:schemeClr val="lt1"/>
+          </a:fontRef>
+        </p:style>
+        <p:txBody>
+          <a:bodyPr rtlCol="0" anchor="ctr"/>
+          <a:lstStyle/>
+          <a:p>
+            <a:pPr algn="ctr"/>
+            <a:r>
+              <a:rPr lang="en-US" sz="2400" dirty="0">
+                <a:solidFill>
+                  <a:schemeClr val="tx1"/>
+                </a:solidFill>
+              </a:rPr>
+              <a:t>Fact Checking Pipeline</a:t>
+            </a:r>
+          </a:p>
+        </p:txBody>
+      </p:sp>
+      <p:sp>
+        <p:nvSpPr>
+          <p:cNvPr id="3" name="Rectangle 2">
+            <a:extLst>
+              <a:ext uri="{FF2B5EF4-FFF2-40B4-BE49-F238E27FC236}">
+                <a16:creationId xmlns:a16="http://schemas.microsoft.com/office/drawing/2014/main" id="{1D6C75AD-4062-4476-A0C2-97E1CFDCF2B6}"/>
+              </a:ext>
+            </a:extLst>
+          </p:cNvPr>
+          <p:cNvSpPr/>
+          <p:nvPr/>
+        </p:nvSpPr>
+        <p:spPr>
+          <a:xfrm>
+            <a:off x="2844800" y="1553028"/>
+            <a:ext cx="2583543" cy="1117600"/>
+          </a:xfrm>
+          <a:prstGeom prst="rect">
+            <a:avLst/>
+          </a:prstGeom>
+          <a:solidFill>
+            <a:schemeClr val="accent1">
+              <a:lumMod val="20000"/>
+              <a:lumOff val="80000"/>
+            </a:schemeClr>
+          </a:solidFill>
+        </p:spPr>
+        <p:style>
+          <a:lnRef idx="2">
+            <a:schemeClr val="accent1">
+              <a:shade val="50000"/>
+            </a:schemeClr>
+          </a:lnRef>
+          <a:fillRef idx="1">
+            <a:schemeClr val="accent1"/>
+          </a:fillRef>
+          <a:effectRef idx="0">
+            <a:schemeClr val="accent1"/>
+          </a:effectRef>
+          <a:fontRef idx="minor">
+            <a:schemeClr val="lt1"/>
+          </a:fontRef>
+        </p:style>
+        <p:txBody>
+          <a:bodyPr rtlCol="0" anchor="ctr"/>
+          <a:lstStyle/>
+          <a:p>
+            <a:pPr algn="ctr"/>
+            <a:r>
+              <a:rPr lang="en-US" sz="1200" dirty="0">
+                <a:solidFill>
+                  <a:schemeClr val="tx1"/>
+                </a:solidFill>
+              </a:rPr>
+              <a:t>Articles Count by Time</a:t>
+            </a:r>
+          </a:p>
+        </p:txBody>
+      </p:sp>
+      <p:sp>
+        <p:nvSpPr>
+          <p:cNvPr id="5" name="Rectangle 4">
+            <a:extLst>
+              <a:ext uri="{FF2B5EF4-FFF2-40B4-BE49-F238E27FC236}">
+                <a16:creationId xmlns:a16="http://schemas.microsoft.com/office/drawing/2014/main" id="{52735ACD-B872-4EC5-B55C-DFB8D83D4E43}"/>
+              </a:ext>
+            </a:extLst>
+          </p:cNvPr>
+          <p:cNvSpPr/>
+          <p:nvPr/>
+        </p:nvSpPr>
+        <p:spPr>
+          <a:xfrm>
+            <a:off x="5588000" y="1553028"/>
+            <a:ext cx="2583543" cy="1117600"/>
+          </a:xfrm>
+          <a:prstGeom prst="rect">
+            <a:avLst/>
+          </a:prstGeom>
+          <a:solidFill>
+            <a:schemeClr val="accent1">
+              <a:lumMod val="20000"/>
+              <a:lumOff val="80000"/>
+            </a:schemeClr>
+          </a:solidFill>
+        </p:spPr>
+        <p:style>
+          <a:lnRef idx="2">
+            <a:schemeClr val="accent1">
+              <a:shade val="50000"/>
+            </a:schemeClr>
+          </a:lnRef>
+          <a:fillRef idx="1">
+            <a:schemeClr val="accent1"/>
+          </a:fillRef>
+          <a:effectRef idx="0">
+            <a:schemeClr val="accent1"/>
+          </a:effectRef>
+          <a:fontRef idx="minor">
+            <a:schemeClr val="lt1"/>
+          </a:fontRef>
+        </p:style>
+        <p:txBody>
+          <a:bodyPr rtlCol="0" anchor="ctr"/>
+          <a:lstStyle/>
+          <a:p>
+            <a:pPr algn="ctr"/>
+            <a:r>
+              <a:rPr lang="en-US" sz="1200" dirty="0">
+                <a:solidFill>
+                  <a:schemeClr val="tx1"/>
+                </a:solidFill>
+              </a:rPr>
+              <a:t>Articles Count by Category</a:t>
+            </a:r>
+          </a:p>
+        </p:txBody>
+      </p:sp>
+      <p:sp>
+        <p:nvSpPr>
+          <p:cNvPr id="7" name="Rectangle 6">
+            <a:extLst>
+              <a:ext uri="{FF2B5EF4-FFF2-40B4-BE49-F238E27FC236}">
+                <a16:creationId xmlns:a16="http://schemas.microsoft.com/office/drawing/2014/main" id="{6E12C386-E825-4984-9586-3BC0822846E3}"/>
+              </a:ext>
+            </a:extLst>
+          </p:cNvPr>
+          <p:cNvSpPr/>
+          <p:nvPr/>
+        </p:nvSpPr>
+        <p:spPr>
+          <a:xfrm>
+            <a:off x="2844800" y="2815770"/>
+            <a:ext cx="2583543" cy="1117600"/>
+          </a:xfrm>
+          <a:prstGeom prst="rect">
+            <a:avLst/>
+          </a:prstGeom>
+          <a:solidFill>
+            <a:schemeClr val="accent1">
+              <a:lumMod val="20000"/>
+              <a:lumOff val="80000"/>
+            </a:schemeClr>
+          </a:solidFill>
+        </p:spPr>
+        <p:style>
+          <a:lnRef idx="2">
+            <a:schemeClr val="accent1">
+              <a:shade val="50000"/>
+            </a:schemeClr>
+          </a:lnRef>
+          <a:fillRef idx="1">
+            <a:schemeClr val="accent1"/>
+          </a:fillRef>
+          <a:effectRef idx="0">
+            <a:schemeClr val="accent1"/>
+          </a:effectRef>
+          <a:fontRef idx="minor">
+            <a:schemeClr val="lt1"/>
+          </a:fontRef>
+        </p:style>
+        <p:txBody>
+          <a:bodyPr rtlCol="0" anchor="ctr"/>
+          <a:lstStyle/>
+          <a:p>
+            <a:pPr algn="ctr"/>
+            <a:r>
+              <a:rPr lang="en-US" sz="1200" dirty="0">
+                <a:solidFill>
+                  <a:schemeClr val="tx1"/>
+                </a:solidFill>
+              </a:rPr>
+              <a:t>Articles Count by Region</a:t>
+            </a:r>
+          </a:p>
+        </p:txBody>
+      </p:sp>
+      <p:sp>
+        <p:nvSpPr>
+          <p:cNvPr id="9" name="Rectangle 8">
+            <a:extLst>
+              <a:ext uri="{FF2B5EF4-FFF2-40B4-BE49-F238E27FC236}">
+                <a16:creationId xmlns:a16="http://schemas.microsoft.com/office/drawing/2014/main" id="{ECF15190-D599-4E11-8D2C-5670563F2979}"/>
+              </a:ext>
+            </a:extLst>
+          </p:cNvPr>
+          <p:cNvSpPr/>
+          <p:nvPr/>
+        </p:nvSpPr>
+        <p:spPr>
+          <a:xfrm>
+            <a:off x="5588000" y="2815770"/>
+            <a:ext cx="2583543" cy="1117600"/>
+          </a:xfrm>
+          <a:prstGeom prst="rect">
+            <a:avLst/>
+          </a:prstGeom>
+          <a:solidFill>
+            <a:schemeClr val="accent1">
+              <a:lumMod val="20000"/>
+              <a:lumOff val="80000"/>
+            </a:schemeClr>
+          </a:solidFill>
+        </p:spPr>
+        <p:style>
+          <a:lnRef idx="2">
+            <a:schemeClr val="accent1">
+              <a:shade val="50000"/>
+            </a:schemeClr>
+          </a:lnRef>
+          <a:fillRef idx="1">
+            <a:schemeClr val="accent1"/>
+          </a:fillRef>
+          <a:effectRef idx="0">
+            <a:schemeClr val="accent1"/>
+          </a:effectRef>
+          <a:fontRef idx="minor">
+            <a:schemeClr val="lt1"/>
+          </a:fontRef>
+        </p:style>
+        <p:txBody>
+          <a:bodyPr rtlCol="0" anchor="ctr"/>
+          <a:lstStyle/>
+          <a:p>
+            <a:pPr algn="ctr"/>
+            <a:r>
+              <a:rPr lang="en-US" sz="1200" dirty="0">
+                <a:solidFill>
+                  <a:schemeClr val="tx1"/>
+                </a:solidFill>
+              </a:rPr>
+              <a:t>Articles Count by Propensity</a:t>
+            </a:r>
+          </a:p>
+        </p:txBody>
+      </p:sp>
+      <p:sp>
+        <p:nvSpPr>
+          <p:cNvPr id="11" name="Rectangle 10">
+            <a:extLst>
+              <a:ext uri="{FF2B5EF4-FFF2-40B4-BE49-F238E27FC236}">
+                <a16:creationId xmlns:a16="http://schemas.microsoft.com/office/drawing/2014/main" id="{497D37AF-B838-41BD-A8E7-0854338EC7E4}"/>
+              </a:ext>
+            </a:extLst>
+          </p:cNvPr>
+          <p:cNvSpPr/>
+          <p:nvPr/>
+        </p:nvSpPr>
+        <p:spPr>
+          <a:xfrm>
+            <a:off x="2844800" y="4296232"/>
+            <a:ext cx="1219200" cy="1117600"/>
+          </a:xfrm>
+          <a:prstGeom prst="rect">
+            <a:avLst/>
+          </a:prstGeom>
+          <a:solidFill>
+            <a:schemeClr val="accent1">
+              <a:lumMod val="20000"/>
+              <a:lumOff val="80000"/>
+            </a:schemeClr>
+          </a:solidFill>
+        </p:spPr>
+        <p:style>
+          <a:lnRef idx="2">
+            <a:schemeClr val="accent1">
+              <a:shade val="50000"/>
+            </a:schemeClr>
+          </a:lnRef>
+          <a:fillRef idx="1">
+            <a:schemeClr val="accent1"/>
+          </a:fillRef>
+          <a:effectRef idx="0">
+            <a:schemeClr val="accent1"/>
+          </a:effectRef>
+          <a:fontRef idx="minor">
+            <a:schemeClr val="lt1"/>
+          </a:fontRef>
+        </p:style>
+        <p:txBody>
+          <a:bodyPr rtlCol="0" anchor="ctr"/>
+          <a:lstStyle/>
+          <a:p>
+            <a:pPr algn="ctr"/>
+            <a:r>
+              <a:rPr lang="en-US" sz="1200" dirty="0">
+                <a:solidFill>
+                  <a:schemeClr val="tx1"/>
+                </a:solidFill>
+              </a:rPr>
+              <a:t>All Articles</a:t>
+            </a:r>
+          </a:p>
+        </p:txBody>
+      </p:sp>
+      <p:sp>
+        <p:nvSpPr>
+          <p:cNvPr id="13" name="Rectangle 12">
+            <a:extLst>
+              <a:ext uri="{FF2B5EF4-FFF2-40B4-BE49-F238E27FC236}">
+                <a16:creationId xmlns:a16="http://schemas.microsoft.com/office/drawing/2014/main" id="{FD9892D2-ACBC-40CA-AA4F-38EB7F618CE6}"/>
+              </a:ext>
+            </a:extLst>
+          </p:cNvPr>
+          <p:cNvSpPr/>
+          <p:nvPr/>
+        </p:nvSpPr>
+        <p:spPr>
+          <a:xfrm>
+            <a:off x="4209143" y="4296233"/>
+            <a:ext cx="1219200" cy="1117600"/>
+          </a:xfrm>
+          <a:prstGeom prst="rect">
+            <a:avLst/>
+          </a:prstGeom>
+          <a:solidFill>
+            <a:schemeClr val="accent1">
+              <a:lumMod val="20000"/>
+              <a:lumOff val="80000"/>
+            </a:schemeClr>
+          </a:solidFill>
+        </p:spPr>
+        <p:style>
+          <a:lnRef idx="2">
+            <a:schemeClr val="accent1">
+              <a:shade val="50000"/>
+            </a:schemeClr>
+          </a:lnRef>
+          <a:fillRef idx="1">
+            <a:schemeClr val="accent1"/>
+          </a:fillRef>
+          <a:effectRef idx="0">
+            <a:schemeClr val="accent1"/>
+          </a:effectRef>
+          <a:fontRef idx="minor">
+            <a:schemeClr val="lt1"/>
+          </a:fontRef>
+        </p:style>
+        <p:txBody>
+          <a:bodyPr rtlCol="0" anchor="ctr"/>
+          <a:lstStyle/>
+          <a:p>
+            <a:pPr algn="ctr"/>
+            <a:r>
+              <a:rPr lang="en-US" sz="1200" dirty="0">
+                <a:solidFill>
+                  <a:schemeClr val="tx1"/>
+                </a:solidFill>
+              </a:rPr>
+              <a:t>Misinformation? </a:t>
+            </a:r>
+          </a:p>
+        </p:txBody>
+      </p:sp>
+      <p:sp>
+        <p:nvSpPr>
+          <p:cNvPr id="15" name="Rectangle 14">
+            <a:extLst>
+              <a:ext uri="{FF2B5EF4-FFF2-40B4-BE49-F238E27FC236}">
+                <a16:creationId xmlns:a16="http://schemas.microsoft.com/office/drawing/2014/main" id="{92805419-DEA4-42AD-AF9B-1870EA4331FF}"/>
+              </a:ext>
+            </a:extLst>
+          </p:cNvPr>
+          <p:cNvSpPr/>
+          <p:nvPr/>
+        </p:nvSpPr>
+        <p:spPr>
+          <a:xfrm>
+            <a:off x="5588000" y="4296233"/>
+            <a:ext cx="1219200" cy="1117600"/>
+          </a:xfrm>
+          <a:prstGeom prst="rect">
+            <a:avLst/>
+          </a:prstGeom>
+          <a:solidFill>
+            <a:schemeClr val="accent1">
+              <a:lumMod val="20000"/>
+              <a:lumOff val="80000"/>
+            </a:schemeClr>
+          </a:solidFill>
+        </p:spPr>
+        <p:style>
+          <a:lnRef idx="2">
+            <a:schemeClr val="accent1">
+              <a:shade val="50000"/>
+            </a:schemeClr>
+          </a:lnRef>
+          <a:fillRef idx="1">
+            <a:schemeClr val="accent1"/>
+          </a:fillRef>
+          <a:effectRef idx="0">
+            <a:schemeClr val="accent1"/>
+          </a:effectRef>
+          <a:fontRef idx="minor">
+            <a:schemeClr val="lt1"/>
+          </a:fontRef>
+        </p:style>
+        <p:txBody>
+          <a:bodyPr rtlCol="0" anchor="ctr"/>
+          <a:lstStyle/>
+          <a:p>
+            <a:pPr algn="ctr"/>
+            <a:r>
+              <a:rPr lang="en-US" sz="1200" dirty="0">
+                <a:solidFill>
+                  <a:schemeClr val="tx1"/>
+                </a:solidFill>
+              </a:rPr>
+              <a:t>Propensity? </a:t>
+            </a:r>
+          </a:p>
+        </p:txBody>
+      </p:sp>
+      <p:sp>
+        <p:nvSpPr>
+          <p:cNvPr id="17" name="Rectangle 16">
+            <a:extLst>
+              <a:ext uri="{FF2B5EF4-FFF2-40B4-BE49-F238E27FC236}">
+                <a16:creationId xmlns:a16="http://schemas.microsoft.com/office/drawing/2014/main" id="{BBFC1E2E-03F4-48D1-B1E9-1566F55E8488}"/>
+              </a:ext>
+            </a:extLst>
+          </p:cNvPr>
+          <p:cNvSpPr/>
+          <p:nvPr/>
+        </p:nvSpPr>
+        <p:spPr>
+          <a:xfrm>
+            <a:off x="6952343" y="4296233"/>
+            <a:ext cx="1219200" cy="1117600"/>
+          </a:xfrm>
+          <a:prstGeom prst="rect">
+            <a:avLst/>
+          </a:prstGeom>
+          <a:solidFill>
+            <a:schemeClr val="accent1">
+              <a:lumMod val="20000"/>
+              <a:lumOff val="80000"/>
+            </a:schemeClr>
+          </a:solidFill>
+        </p:spPr>
+        <p:style>
+          <a:lnRef idx="2">
+            <a:schemeClr val="accent1">
+              <a:shade val="50000"/>
+            </a:schemeClr>
+          </a:lnRef>
+          <a:fillRef idx="1">
+            <a:schemeClr val="accent1"/>
+          </a:fillRef>
+          <a:effectRef idx="0">
+            <a:schemeClr val="accent1"/>
+          </a:effectRef>
+          <a:fontRef idx="minor">
+            <a:schemeClr val="lt1"/>
+          </a:fontRef>
+        </p:style>
+        <p:txBody>
+          <a:bodyPr rtlCol="0" anchor="ctr"/>
+          <a:lstStyle/>
+          <a:p>
+            <a:pPr algn="ctr"/>
+            <a:r>
+              <a:rPr lang="en-US" sz="1200" dirty="0">
+                <a:solidFill>
+                  <a:schemeClr val="tx1"/>
+                </a:solidFill>
+              </a:rPr>
+              <a:t>Category? </a:t>
+            </a:r>
+          </a:p>
+        </p:txBody>
+      </p:sp>
+      <p:sp>
+        <p:nvSpPr>
+          <p:cNvPr id="18" name="TextBox 17">
+            <a:extLst>
+              <a:ext uri="{FF2B5EF4-FFF2-40B4-BE49-F238E27FC236}">
+                <a16:creationId xmlns:a16="http://schemas.microsoft.com/office/drawing/2014/main" id="{AA600310-8E8A-4429-B78E-033BBEEE73A6}"/>
+              </a:ext>
+            </a:extLst>
+          </p:cNvPr>
+          <p:cNvSpPr txBox="1"/>
+          <p:nvPr/>
+        </p:nvSpPr>
+        <p:spPr>
+          <a:xfrm>
+            <a:off x="2844800" y="1190172"/>
+            <a:ext cx="1219200" cy="369332"/>
+          </a:xfrm>
+          <a:prstGeom prst="rect">
+            <a:avLst/>
+          </a:prstGeom>
+          <a:noFill/>
+        </p:spPr>
+        <p:txBody>
+          <a:bodyPr wrap="square" rtlCol="0">
+            <a:spAutoFit/>
+          </a:bodyPr>
+          <a:lstStyle/>
+          <a:p>
+            <a:r>
+              <a:rPr lang="en-US" dirty="0"/>
+              <a:t>Charts</a:t>
+            </a:r>
+          </a:p>
+        </p:txBody>
+      </p:sp>
+      <p:sp>
+        <p:nvSpPr>
+          <p:cNvPr id="20" name="TextBox 19">
+            <a:extLst>
+              <a:ext uri="{FF2B5EF4-FFF2-40B4-BE49-F238E27FC236}">
+                <a16:creationId xmlns:a16="http://schemas.microsoft.com/office/drawing/2014/main" id="{8599961D-6AA2-45EC-B5FB-8450EAB60601}"/>
+              </a:ext>
+            </a:extLst>
+          </p:cNvPr>
+          <p:cNvSpPr txBox="1"/>
+          <p:nvPr/>
+        </p:nvSpPr>
+        <p:spPr>
+          <a:xfrm>
+            <a:off x="2844800" y="3933370"/>
+            <a:ext cx="1219200" cy="369332"/>
+          </a:xfrm>
+          <a:prstGeom prst="rect">
+            <a:avLst/>
+          </a:prstGeom>
+          <a:noFill/>
+        </p:spPr>
+        <p:txBody>
+          <a:bodyPr wrap="square" rtlCol="0">
+            <a:spAutoFit/>
+          </a:bodyPr>
+          <a:lstStyle/>
+          <a:p>
+            <a:r>
+              <a:rPr lang="en-US" dirty="0"/>
+              <a:t>Workflow</a:t>
+            </a:r>
+          </a:p>
+        </p:txBody>
+      </p:sp>
+      <p:sp>
+        <p:nvSpPr>
+          <p:cNvPr id="21" name="Rectangle 20">
+            <a:extLst>
+              <a:ext uri="{FF2B5EF4-FFF2-40B4-BE49-F238E27FC236}">
+                <a16:creationId xmlns:a16="http://schemas.microsoft.com/office/drawing/2014/main" id="{ED8106DA-F818-4BE2-91FA-CFAB3C0D0B1A}"/>
+              </a:ext>
+            </a:extLst>
+          </p:cNvPr>
+          <p:cNvSpPr/>
+          <p:nvPr/>
+        </p:nvSpPr>
+        <p:spPr>
+          <a:xfrm>
+            <a:off x="2844800" y="5529943"/>
+            <a:ext cx="1219200" cy="1117600"/>
+          </a:xfrm>
+          <a:prstGeom prst="rect">
+            <a:avLst/>
+          </a:prstGeom>
+          <a:noFill/>
+          <a:ln>
+            <a:solidFill>
+              <a:schemeClr val="tx1"/>
+            </a:solidFill>
+          </a:ln>
+        </p:spPr>
+        <p:style>
+          <a:lnRef idx="2">
+            <a:schemeClr val="accent1">
+              <a:shade val="50000"/>
+            </a:schemeClr>
+          </a:lnRef>
+          <a:fillRef idx="1">
+            <a:schemeClr val="accent1"/>
+          </a:fillRef>
+          <a:effectRef idx="0">
+            <a:schemeClr val="accent1"/>
+          </a:effectRef>
+          <a:fontRef idx="minor">
+            <a:schemeClr val="lt1"/>
+          </a:fontRef>
+        </p:style>
+        <p:txBody>
+          <a:bodyPr rtlCol="0" anchor="t"/>
+          <a:lstStyle/>
+          <a:p>
+            <a:r>
+              <a:rPr lang="en-US" sz="1200" dirty="0">
+                <a:solidFill>
+                  <a:schemeClr val="tx1"/>
+                </a:solidFill>
+              </a:rPr>
+              <a:t>Features: </a:t>
+            </a:r>
+          </a:p>
+        </p:txBody>
+      </p:sp>
+      <p:sp>
+        <p:nvSpPr>
+          <p:cNvPr id="23" name="Rectangle 22">
+            <a:extLst>
+              <a:ext uri="{FF2B5EF4-FFF2-40B4-BE49-F238E27FC236}">
+                <a16:creationId xmlns:a16="http://schemas.microsoft.com/office/drawing/2014/main" id="{A9741080-1F58-4A14-B142-B7412672DC40}"/>
+              </a:ext>
+            </a:extLst>
+          </p:cNvPr>
+          <p:cNvSpPr/>
+          <p:nvPr/>
+        </p:nvSpPr>
+        <p:spPr>
+          <a:xfrm>
+            <a:off x="4209143" y="5529943"/>
+            <a:ext cx="1219200" cy="1117600"/>
+          </a:xfrm>
+          <a:prstGeom prst="rect">
+            <a:avLst/>
+          </a:prstGeom>
+          <a:noFill/>
+          <a:ln>
+            <a:solidFill>
+              <a:schemeClr val="tx1"/>
+            </a:solidFill>
+          </a:ln>
+        </p:spPr>
+        <p:style>
+          <a:lnRef idx="2">
+            <a:schemeClr val="accent1">
+              <a:shade val="50000"/>
+            </a:schemeClr>
+          </a:lnRef>
+          <a:fillRef idx="1">
+            <a:schemeClr val="accent1"/>
+          </a:fillRef>
+          <a:effectRef idx="0">
+            <a:schemeClr val="accent1"/>
+          </a:effectRef>
+          <a:fontRef idx="minor">
+            <a:schemeClr val="lt1"/>
+          </a:fontRef>
+        </p:style>
+        <p:txBody>
+          <a:bodyPr rtlCol="0" anchor="t"/>
+          <a:lstStyle/>
+          <a:p>
+            <a:r>
+              <a:rPr lang="en-US" sz="1200" dirty="0">
+                <a:solidFill>
+                  <a:schemeClr val="tx1"/>
+                </a:solidFill>
+              </a:rPr>
+              <a:t>Features: </a:t>
+            </a:r>
+          </a:p>
+        </p:txBody>
+      </p:sp>
+      <p:sp>
+        <p:nvSpPr>
+          <p:cNvPr id="25" name="Rectangle 24">
+            <a:extLst>
+              <a:ext uri="{FF2B5EF4-FFF2-40B4-BE49-F238E27FC236}">
+                <a16:creationId xmlns:a16="http://schemas.microsoft.com/office/drawing/2014/main" id="{0146B400-E601-45A4-B574-A51042EA44F9}"/>
+              </a:ext>
+            </a:extLst>
+          </p:cNvPr>
+          <p:cNvSpPr/>
+          <p:nvPr/>
+        </p:nvSpPr>
+        <p:spPr>
+          <a:xfrm>
+            <a:off x="5588000" y="5529943"/>
+            <a:ext cx="1219200" cy="1117600"/>
+          </a:xfrm>
+          <a:prstGeom prst="rect">
+            <a:avLst/>
+          </a:prstGeom>
+          <a:noFill/>
+          <a:ln>
+            <a:solidFill>
+              <a:schemeClr val="tx1"/>
+            </a:solidFill>
+          </a:ln>
+        </p:spPr>
+        <p:style>
+          <a:lnRef idx="2">
+            <a:schemeClr val="accent1">
+              <a:shade val="50000"/>
+            </a:schemeClr>
+          </a:lnRef>
+          <a:fillRef idx="1">
+            <a:schemeClr val="accent1"/>
+          </a:fillRef>
+          <a:effectRef idx="0">
+            <a:schemeClr val="accent1"/>
+          </a:effectRef>
+          <a:fontRef idx="minor">
+            <a:schemeClr val="lt1"/>
+          </a:fontRef>
+        </p:style>
+        <p:txBody>
+          <a:bodyPr rtlCol="0" anchor="t"/>
+          <a:lstStyle/>
+          <a:p>
+            <a:r>
+              <a:rPr lang="en-US" sz="1200" dirty="0">
+                <a:solidFill>
+                  <a:schemeClr val="tx1"/>
+                </a:solidFill>
+              </a:rPr>
+              <a:t>Features: </a:t>
+            </a:r>
+          </a:p>
+        </p:txBody>
+      </p:sp>
+      <p:sp>
+        <p:nvSpPr>
+          <p:cNvPr id="27" name="Rectangle 26">
+            <a:extLst>
+              <a:ext uri="{FF2B5EF4-FFF2-40B4-BE49-F238E27FC236}">
+                <a16:creationId xmlns:a16="http://schemas.microsoft.com/office/drawing/2014/main" id="{A5596869-0937-4AA1-A287-2117FD99E75B}"/>
+              </a:ext>
+            </a:extLst>
+          </p:cNvPr>
+          <p:cNvSpPr/>
+          <p:nvPr/>
+        </p:nvSpPr>
+        <p:spPr>
+          <a:xfrm>
+            <a:off x="6952343" y="5529943"/>
+            <a:ext cx="1219200" cy="1117600"/>
+          </a:xfrm>
+          <a:prstGeom prst="rect">
+            <a:avLst/>
+          </a:prstGeom>
+          <a:noFill/>
+          <a:ln>
+            <a:solidFill>
+              <a:schemeClr val="tx1"/>
+            </a:solidFill>
+          </a:ln>
+        </p:spPr>
+        <p:style>
+          <a:lnRef idx="2">
+            <a:schemeClr val="accent1">
+              <a:shade val="50000"/>
+            </a:schemeClr>
+          </a:lnRef>
+          <a:fillRef idx="1">
+            <a:schemeClr val="accent1"/>
+          </a:fillRef>
+          <a:effectRef idx="0">
+            <a:schemeClr val="accent1"/>
+          </a:effectRef>
+          <a:fontRef idx="minor">
+            <a:schemeClr val="lt1"/>
+          </a:fontRef>
+        </p:style>
+        <p:txBody>
+          <a:bodyPr rtlCol="0" anchor="t"/>
+          <a:lstStyle/>
+          <a:p>
+            <a:r>
+              <a:rPr lang="en-US" sz="1200" dirty="0">
+                <a:solidFill>
+                  <a:schemeClr val="tx1"/>
+                </a:solidFill>
+              </a:rPr>
+              <a:t>Features: </a:t>
+            </a:r>
+          </a:p>
+        </p:txBody>
+      </p:sp>
+    </p:spTree>
+    <p:extLst>
+      <p:ext uri="{BB962C8B-B14F-4D97-AF65-F5344CB8AC3E}">
+        <p14:creationId xmlns:p14="http://schemas.microsoft.com/office/powerpoint/2010/main" val="392742815"/>
+      </p:ext>
+    </p:extLst>
+  </p:cSld>
+  <p:clrMapOvr>
+    <a:masterClrMapping/>
+  </p:clrMapOvr>
+</p:sld>
+</file>
+
 <file path=ppt/theme/theme1.xml><?xml version="1.0" encoding="utf-8"?>
 <a:theme xmlns:a="http://schemas.openxmlformats.org/drawingml/2006/main" name="Office Theme">
   <a:themeElements>
